--- a/Figures/problem.pptx
+++ b/Figures/problem.pptx
@@ -259,7 +259,7 @@
           <a:p>
             <a:fld id="{897A4168-D093-5741-BD17-F12CD09B5F4F}" type="datetimeFigureOut">
               <a:rPr lang="en-US" smtClean="0"/>
-              <a:t>10/2/23</a:t>
+              <a:t>11/18/23</a:t>
             </a:fld>
             <a:endParaRPr lang="en-US"/>
           </a:p>
@@ -457,7 +457,7 @@
           <a:p>
             <a:fld id="{897A4168-D093-5741-BD17-F12CD09B5F4F}" type="datetimeFigureOut">
               <a:rPr lang="en-US" smtClean="0"/>
-              <a:t>10/2/23</a:t>
+              <a:t>11/18/23</a:t>
             </a:fld>
             <a:endParaRPr lang="en-US"/>
           </a:p>
@@ -665,7 +665,7 @@
           <a:p>
             <a:fld id="{897A4168-D093-5741-BD17-F12CD09B5F4F}" type="datetimeFigureOut">
               <a:rPr lang="en-US" smtClean="0"/>
-              <a:t>10/2/23</a:t>
+              <a:t>11/18/23</a:t>
             </a:fld>
             <a:endParaRPr lang="en-US"/>
           </a:p>
@@ -863,7 +863,7 @@
           <a:p>
             <a:fld id="{897A4168-D093-5741-BD17-F12CD09B5F4F}" type="datetimeFigureOut">
               <a:rPr lang="en-US" smtClean="0"/>
-              <a:t>10/2/23</a:t>
+              <a:t>11/18/23</a:t>
             </a:fld>
             <a:endParaRPr lang="en-US"/>
           </a:p>
@@ -1138,7 +1138,7 @@
           <a:p>
             <a:fld id="{897A4168-D093-5741-BD17-F12CD09B5F4F}" type="datetimeFigureOut">
               <a:rPr lang="en-US" smtClean="0"/>
-              <a:t>10/2/23</a:t>
+              <a:t>11/18/23</a:t>
             </a:fld>
             <a:endParaRPr lang="en-US"/>
           </a:p>
@@ -1403,7 +1403,7 @@
           <a:p>
             <a:fld id="{897A4168-D093-5741-BD17-F12CD09B5F4F}" type="datetimeFigureOut">
               <a:rPr lang="en-US" smtClean="0"/>
-              <a:t>10/2/23</a:t>
+              <a:t>11/18/23</a:t>
             </a:fld>
             <a:endParaRPr lang="en-US"/>
           </a:p>
@@ -1815,7 +1815,7 @@
           <a:p>
             <a:fld id="{897A4168-D093-5741-BD17-F12CD09B5F4F}" type="datetimeFigureOut">
               <a:rPr lang="en-US" smtClean="0"/>
-              <a:t>10/2/23</a:t>
+              <a:t>11/18/23</a:t>
             </a:fld>
             <a:endParaRPr lang="en-US"/>
           </a:p>
@@ -1956,7 +1956,7 @@
           <a:p>
             <a:fld id="{897A4168-D093-5741-BD17-F12CD09B5F4F}" type="datetimeFigureOut">
               <a:rPr lang="en-US" smtClean="0"/>
-              <a:t>10/2/23</a:t>
+              <a:t>11/18/23</a:t>
             </a:fld>
             <a:endParaRPr lang="en-US"/>
           </a:p>
@@ -2069,7 +2069,7 @@
           <a:p>
             <a:fld id="{897A4168-D093-5741-BD17-F12CD09B5F4F}" type="datetimeFigureOut">
               <a:rPr lang="en-US" smtClean="0"/>
-              <a:t>10/2/23</a:t>
+              <a:t>11/18/23</a:t>
             </a:fld>
             <a:endParaRPr lang="en-US"/>
           </a:p>
@@ -2380,7 +2380,7 @@
           <a:p>
             <a:fld id="{897A4168-D093-5741-BD17-F12CD09B5F4F}" type="datetimeFigureOut">
               <a:rPr lang="en-US" smtClean="0"/>
-              <a:t>10/2/23</a:t>
+              <a:t>11/18/23</a:t>
             </a:fld>
             <a:endParaRPr lang="en-US"/>
           </a:p>
@@ -2668,7 +2668,7 @@
           <a:p>
             <a:fld id="{897A4168-D093-5741-BD17-F12CD09B5F4F}" type="datetimeFigureOut">
               <a:rPr lang="en-US" smtClean="0"/>
-              <a:t>10/2/23</a:t>
+              <a:t>11/18/23</a:t>
             </a:fld>
             <a:endParaRPr lang="en-US"/>
           </a:p>
@@ -2909,7 +2909,7 @@
           <a:p>
             <a:fld id="{897A4168-D093-5741-BD17-F12CD09B5F4F}" type="datetimeFigureOut">
               <a:rPr lang="en-US" smtClean="0"/>
-              <a:t>10/2/23</a:t>
+              <a:t>11/18/23</a:t>
             </a:fld>
             <a:endParaRPr lang="en-US"/>
           </a:p>
@@ -3945,10 +3945,10 @@
       </p:sp>
       <p:sp>
         <p:nvSpPr>
-          <p:cNvPr id="63" name="TextBox 62">
-            <a:extLst>
-              <a:ext uri="{FF2B5EF4-FFF2-40B4-BE49-F238E27FC236}">
-                <a16:creationId xmlns:a16="http://schemas.microsoft.com/office/drawing/2014/main" id="{D27A04EF-0E4D-7C53-C18F-4186645837B5}"/>
+          <p:cNvPr id="1024" name="TextBox 1023">
+            <a:extLst>
+              <a:ext uri="{FF2B5EF4-FFF2-40B4-BE49-F238E27FC236}">
+                <a16:creationId xmlns:a16="http://schemas.microsoft.com/office/drawing/2014/main" id="{67B01302-B2B8-8492-B87C-C60B0D98B6EC}"/>
               </a:ext>
             </a:extLst>
           </p:cNvPr>
@@ -3957,7 +3957,7 @@
         </p:nvSpPr>
         <p:spPr>
           <a:xfrm>
-            <a:off x="1494830" y="4084649"/>
+            <a:off x="154222" y="3206832"/>
             <a:ext cx="1166470" cy="369332"/>
           </a:xfrm>
           <a:prstGeom prst="rect">
@@ -3972,44 +3972,14 @@
           <a:lstStyle/>
           <a:p>
             <a:r>
-              <a:rPr lang="en-US" dirty="0"/>
+              <a:rPr lang="en-US" dirty="0">
+                <a:solidFill>
+                  <a:srgbClr val="202124"/>
+                </a:solidFill>
+              </a:rPr>
               <a:t>v</a:t>
             </a:r>
-          </a:p>
-        </p:txBody>
-      </p:sp>
-      <p:sp>
-        <p:nvSpPr>
-          <p:cNvPr id="1024" name="TextBox 1023">
-            <a:extLst>
-              <a:ext uri="{FF2B5EF4-FFF2-40B4-BE49-F238E27FC236}">
-                <a16:creationId xmlns:a16="http://schemas.microsoft.com/office/drawing/2014/main" id="{67B01302-B2B8-8492-B87C-C60B0D98B6EC}"/>
-              </a:ext>
-            </a:extLst>
-          </p:cNvPr>
-          <p:cNvSpPr txBox="1"/>
-          <p:nvPr/>
-        </p:nvSpPr>
-        <p:spPr>
-          <a:xfrm>
-            <a:off x="154222" y="3206832"/>
-            <a:ext cx="1166470" cy="369332"/>
-          </a:xfrm>
-          <a:prstGeom prst="rect">
-            <a:avLst/>
-          </a:prstGeom>
-          <a:noFill/>
-        </p:spPr>
-        <p:txBody>
-          <a:bodyPr wrap="square" rtlCol="0">
-            <a:spAutoFit/>
-          </a:bodyPr>
-          <a:lstStyle/>
-          <a:p>
-            <a:r>
-              <a:rPr lang="en-US" dirty="0"/>
-              <a:t>w</a:t>
-            </a:r>
+            <a:endParaRPr lang="en-US" dirty="0"/>
           </a:p>
         </p:txBody>
       </p:sp>
@@ -8746,7 +8716,15 @@
             <a:pPr algn="ctr"/>
             <a:r>
               <a:rPr lang="en-US" dirty="0"/>
-              <a:t>SOTA Model w Fails</a:t>
+              <a:t>SOTA Model </a:t>
+            </a:r>
+            <a:r>
+              <a:rPr lang="en-US" i="1" dirty="0"/>
+              <a:t>w</a:t>
+            </a:r>
+            <a:r>
+              <a:rPr lang="en-US" dirty="0"/>
+              <a:t> Fails</a:t>
             </a:r>
           </a:p>
         </p:txBody>
@@ -9280,7 +9258,7 @@
         </p:nvSpPr>
         <p:spPr>
           <a:xfrm>
-            <a:off x="7171431" y="6046367"/>
+            <a:off x="7171431" y="6082453"/>
             <a:ext cx="1317703" cy="369332"/>
           </a:xfrm>
           <a:prstGeom prst="rect">
@@ -9374,7 +9352,7 @@
         </p:nvSpPr>
         <p:spPr>
           <a:xfrm>
-            <a:off x="8473088" y="6046288"/>
+            <a:off x="8464008" y="6089451"/>
             <a:ext cx="1317703" cy="369332"/>
           </a:xfrm>
           <a:prstGeom prst="rect">
@@ -9589,7 +9567,7 @@
             </a:r>
             <a:r>
               <a:rPr lang="en-US" dirty="0"/>
-              <a:t>(v)| = 0</a:t>
+              <a:t>(v)| = 1</a:t>
             </a:r>
           </a:p>
         </p:txBody>
